--- a/spring13/slides13/rep-partial-orders.pptx
+++ b/spring13/slides13/rep-partial-orders.pptx
@@ -214,7 +214,7 @@
             <a:fld id="{D875CB5D-1501-4E8C-8449-8F562B53033D}" type="datetimeFigureOut">
               <a:rPr lang="en-US" smtClean="0"/>
               <a:pPr/>
-              <a:t>3/18/12</a:t>
+              <a:t>3/24/13</a:t>
             </a:fld>
             <a:endParaRPr lang="en-US"/>
           </a:p>
@@ -381,7 +381,7 @@
             <a:fld id="{2E64E5CB-D4EF-403A-9BB6-139C52688DF7}" type="datetimeFigureOut">
               <a:rPr lang="en-US" smtClean="0"/>
               <a:pPr/>
-              <a:t>3/18/12</a:t>
+              <a:t>3/24/13</a:t>
             </a:fld>
             <a:endParaRPr lang="en-US"/>
           </a:p>
@@ -3859,8 +3859,8 @@
         </p:nvSpPr>
         <p:spPr>
           <a:xfrm>
-            <a:off x="8229600" y="6553200"/>
-            <a:ext cx="914400" cy="304800"/>
+            <a:off x="8077200" y="6553200"/>
+            <a:ext cx="1066800" cy="304800"/>
           </a:xfrm>
           <a:prstGeom prst="rect">
             <a:avLst/>
@@ -3908,7 +3908,41 @@
                 <a:ea typeface="+mn-ea"/>
                 <a:cs typeface="+mn-cs"/>
               </a:rPr>
-              <a:t>lec7M.</a:t>
+              <a:t>rep-</a:t>
+            </a:r>
+            <a:r>
+              <a:rPr kumimoji="0" lang="en-US" sz="1200" b="0" i="0" u="none" strike="noStrike" kern="1200" cap="none" spc="0" normalizeH="0" baseline="0" noProof="0" dirty="0" err="1" smtClean="0">
+                <a:ln>
+                  <a:noFill/>
+                </a:ln>
+                <a:solidFill>
+                  <a:schemeClr val="tx1"/>
+                </a:solidFill>
+                <a:effectLst/>
+                <a:uLnTx/>
+                <a:uFillTx/>
+                <a:latin typeface="Comic Sans MS" pitchFamily="66" charset="0"/>
+                <a:ea typeface="+mn-ea"/>
+                <a:cs typeface="+mn-cs"/>
+              </a:rPr>
+              <a:t>po</a:t>
+            </a:r>
+            <a:r>
+              <a:rPr kumimoji="0" lang="en-US" sz="1200" b="0" i="0" u="none" strike="noStrike" kern="1200" cap="none" spc="0" normalizeH="0" baseline="0" noProof="0" dirty="0" smtClean="0">
+                <a:ln>
+                  <a:noFill/>
+                </a:ln>
+                <a:solidFill>
+                  <a:schemeClr val="tx1"/>
+                </a:solidFill>
+                <a:effectLst/>
+                <a:uLnTx/>
+                <a:uFillTx/>
+                <a:latin typeface="Comic Sans MS" pitchFamily="66" charset="0"/>
+                <a:ea typeface="+mn-ea"/>
+                <a:cs typeface="+mn-cs"/>
+              </a:rPr>
+              <a:t>.</a:t>
             </a:r>
             <a:fld id="{CA4C0C47-BA92-4669-BC5C-D64A96AF3D01}" type="slidenum">
               <a:rPr kumimoji="0" lang="en-US" sz="1200" b="0" i="0" u="none" strike="noStrike" kern="1200" cap="none" spc="0" normalizeH="0" baseline="0" noProof="0" smtClean="0">
@@ -4038,7 +4072,22 @@
                 <a:uFillTx/>
                 <a:latin typeface="Comic Sans MS" pitchFamily="66" charset="0"/>
               </a:rPr>
-              <a:t>Albert R Meyer         March 19, 2012</a:t>
+              <a:t>Albert R Meyer         March </a:t>
+            </a:r>
+            <a:r>
+              <a:rPr kumimoji="0" lang="en-US" sz="1200" b="0" i="0" u="none" strike="noStrike" kern="1200" cap="none" spc="0" normalizeH="0" baseline="0" noProof="0" dirty="0" smtClean="0">
+                <a:ln>
+                  <a:noFill/>
+                </a:ln>
+                <a:solidFill>
+                  <a:schemeClr val="tx1"/>
+                </a:solidFill>
+                <a:effectLst/>
+                <a:uLnTx/>
+                <a:uFillTx/>
+                <a:latin typeface="Comic Sans MS" pitchFamily="66" charset="0"/>
+              </a:rPr>
+              <a:t>22, 2013</a:t>
             </a:r>
             <a:endParaRPr kumimoji="0" lang="en-US" sz="1200" b="0" i="0" u="none" strike="noStrike" kern="1200" cap="none" spc="0" normalizeH="0" baseline="0" noProof="0" dirty="0">
               <a:ln>
@@ -5278,6 +5327,14 @@
   <p:clrMapOvr>
     <a:masterClrMapping/>
   </p:clrMapOvr>
+  <mc:AlternateContent xmlns:mc="http://schemas.openxmlformats.org/markup-compatibility/2006">
+    <mc:Choice xmlns:p14="http://schemas.microsoft.com/office/powerpoint/2010/main" Requires="p14">
+      <p:transition spd="slow" p14:dur="2000" advClick="0"/>
+    </mc:Choice>
+    <mc:Fallback>
+      <p:transition xmlns:p14="http://schemas.microsoft.com/office/powerpoint/2010/main" spd="slow" advClick="0"/>
+    </mc:Fallback>
+  </mc:AlternateContent>
   <p:timing>
     <p:tnLst>
       <p:par>
@@ -5500,7 +5557,7 @@
   <p:clrMapOvr>
     <a:masterClrMapping/>
   </p:clrMapOvr>
-  <p:transition xmlns:p14="http://schemas.microsoft.com/office/powerpoint/2010/main" spd="med">
+  <p:transition xmlns:p14="http://schemas.microsoft.com/office/powerpoint/2010/main" spd="med" advClick="0">
     <p:fade/>
   </p:transition>
   <p:timing>
@@ -5765,58 +5822,6 @@
       </p:grpSpPr>
       <p:sp>
         <p:nvSpPr>
-          <p:cNvPr id="5" name="Slide Number Placeholder 3"/>
-          <p:cNvSpPr>
-            <a:spLocks noGrp="1"/>
-          </p:cNvSpPr>
-          <p:nvPr>
-            <p:ph type="sldNum" sz="quarter" idx="10"/>
-          </p:nvPr>
-        </p:nvSpPr>
-        <p:spPr/>
-        <p:txBody>
-          <a:bodyPr/>
-          <a:lstStyle/>
-          <a:p>
-            <a:r>
-              <a:rPr lang="en-US" dirty="0" err="1">
-                <a:solidFill>
-                  <a:srgbClr val="000000"/>
-                </a:solidFill>
-                <a:latin typeface="Comic Sans MS"/>
-              </a:rPr>
-              <a:t>lec</a:t>
-            </a:r>
-            <a:r>
-              <a:rPr lang="en-US" dirty="0" smtClean="0">
-                <a:solidFill>
-                  <a:srgbClr val="000000"/>
-                </a:solidFill>
-                <a:latin typeface="Comic Sans MS"/>
-              </a:rPr>
-              <a:t> 7M.</a:t>
-            </a:r>
-            <a:fld id="{A0329A7B-0CDF-4474-9D5E-25E9C11592CB}" type="slidenum">
-              <a:rPr lang="en-US" smtClean="0">
-                <a:solidFill>
-                  <a:srgbClr val="000000"/>
-                </a:solidFill>
-                <a:latin typeface="Comic Sans MS"/>
-              </a:rPr>
-              <a:pPr/>
-              <a:t>11</a:t>
-            </a:fld>
-            <a:endParaRPr lang="en-US" dirty="0">
-              <a:solidFill>
-                <a:srgbClr val="000000"/>
-              </a:solidFill>
-              <a:latin typeface="Comic Sans MS"/>
-            </a:endParaRPr>
-          </a:p>
-        </p:txBody>
-      </p:sp>
-      <p:sp>
-        <p:nvSpPr>
           <p:cNvPr id="669698" name="Rectangle 2"/>
           <p:cNvSpPr>
             <a:spLocks noGrp="1" noChangeArrowheads="1"/>
@@ -6219,6 +6224,152 @@
           </a:p>
         </p:txBody>
       </p:sp>
+      <p:sp>
+        <p:nvSpPr>
+          <p:cNvPr id="6" name="Slide Number Placeholder 5"/>
+          <p:cNvSpPr txBox="1">
+            <a:spLocks/>
+          </p:cNvSpPr>
+          <p:nvPr/>
+        </p:nvSpPr>
+        <p:spPr>
+          <a:xfrm>
+            <a:off x="8077200" y="6553200"/>
+            <a:ext cx="1066800" cy="304800"/>
+          </a:xfrm>
+          <a:prstGeom prst="rect">
+            <a:avLst/>
+          </a:prstGeom>
+        </p:spPr>
+        <p:txBody>
+          <a:bodyPr/>
+          <a:lstStyle>
+            <a:lvl1pPr>
+              <a:defRPr sz="1200">
+                <a:latin typeface="Comic Sans MS" pitchFamily="66" charset="0"/>
+              </a:defRPr>
+            </a:lvl1pPr>
+          </a:lstStyle>
+          <a:p>
+            <a:pPr marL="0" marR="0" lvl="0" indent="0" algn="l" defTabSz="914400" rtl="0" eaLnBrk="1" fontAlgn="auto" latinLnBrk="0" hangingPunct="1">
+              <a:lnSpc>
+                <a:spcPct val="100000"/>
+              </a:lnSpc>
+              <a:spcBef>
+                <a:spcPts val="0"/>
+              </a:spcBef>
+              <a:spcAft>
+                <a:spcPts val="0"/>
+              </a:spcAft>
+              <a:buClrTx/>
+              <a:buSzTx/>
+              <a:buFontTx/>
+              <a:buNone/>
+              <a:tabLst/>
+              <a:defRPr/>
+            </a:pPr>
+            <a:r>
+              <a:rPr kumimoji="0" lang="en-US" sz="1200" b="0" i="0" u="none" strike="noStrike" kern="1200" cap="none" spc="0" normalizeH="0" baseline="0" noProof="0" dirty="0" smtClean="0">
+                <a:ln>
+                  <a:noFill/>
+                </a:ln>
+                <a:solidFill>
+                  <a:schemeClr val="tx1"/>
+                </a:solidFill>
+                <a:effectLst/>
+                <a:uLnTx/>
+                <a:uFillTx/>
+                <a:latin typeface="Comic Sans MS" pitchFamily="66" charset="0"/>
+                <a:ea typeface="+mn-ea"/>
+                <a:cs typeface="+mn-cs"/>
+              </a:rPr>
+              <a:t>rep-</a:t>
+            </a:r>
+            <a:r>
+              <a:rPr kumimoji="0" lang="en-US" sz="1200" b="0" i="0" u="none" strike="noStrike" kern="1200" cap="none" spc="0" normalizeH="0" baseline="0" noProof="0" dirty="0" err="1" smtClean="0">
+                <a:ln>
+                  <a:noFill/>
+                </a:ln>
+                <a:solidFill>
+                  <a:schemeClr val="tx1"/>
+                </a:solidFill>
+                <a:effectLst/>
+                <a:uLnTx/>
+                <a:uFillTx/>
+                <a:latin typeface="Comic Sans MS" pitchFamily="66" charset="0"/>
+                <a:ea typeface="+mn-ea"/>
+                <a:cs typeface="+mn-cs"/>
+              </a:rPr>
+              <a:t>po</a:t>
+            </a:r>
+            <a:r>
+              <a:rPr kumimoji="0" lang="en-US" sz="1200" b="0" i="0" u="none" strike="noStrike" kern="1200" cap="none" spc="0" normalizeH="0" baseline="0" noProof="0" dirty="0" smtClean="0">
+                <a:ln>
+                  <a:noFill/>
+                </a:ln>
+                <a:solidFill>
+                  <a:schemeClr val="tx1"/>
+                </a:solidFill>
+                <a:effectLst/>
+                <a:uLnTx/>
+                <a:uFillTx/>
+                <a:latin typeface="Comic Sans MS" pitchFamily="66" charset="0"/>
+                <a:ea typeface="+mn-ea"/>
+                <a:cs typeface="+mn-cs"/>
+              </a:rPr>
+              <a:t>.</a:t>
+            </a:r>
+            <a:fld id="{CA4C0C47-BA92-4669-BC5C-D64A96AF3D01}" type="slidenum">
+              <a:rPr kumimoji="0" lang="en-US" sz="1200" b="0" i="0" u="none" strike="noStrike" kern="1200" cap="none" spc="0" normalizeH="0" baseline="0" noProof="0" smtClean="0">
+                <a:ln>
+                  <a:noFill/>
+                </a:ln>
+                <a:solidFill>
+                  <a:schemeClr val="tx1"/>
+                </a:solidFill>
+                <a:effectLst/>
+                <a:uLnTx/>
+                <a:uFillTx/>
+                <a:latin typeface="Comic Sans MS" pitchFamily="66" charset="0"/>
+                <a:ea typeface="+mn-ea"/>
+                <a:cs typeface="+mn-cs"/>
+              </a:rPr>
+              <a:pPr marL="0" marR="0" lvl="0" indent="0" algn="l" defTabSz="914400" rtl="0" eaLnBrk="1" fontAlgn="auto" latinLnBrk="0" hangingPunct="1">
+                <a:lnSpc>
+                  <a:spcPct val="100000"/>
+                </a:lnSpc>
+                <a:spcBef>
+                  <a:spcPts val="0"/>
+                </a:spcBef>
+                <a:spcAft>
+                  <a:spcPts val="0"/>
+                </a:spcAft>
+                <a:buClrTx/>
+                <a:buSzTx/>
+                <a:buFontTx/>
+                <a:buNone/>
+                <a:tabLst/>
+                <a:defRPr/>
+              </a:pPr>
+              <a:t>11</a:t>
+            </a:fld>
+            <a:endParaRPr kumimoji="0" lang="en-US" sz="1200" b="0" i="0" u="none" strike="noStrike" kern="1200" cap="none" spc="0" normalizeH="0" baseline="0" noProof="0" dirty="0">
+              <a:ln>
+                <a:noFill/>
+              </a:ln>
+              <a:solidFill>
+                <a:schemeClr val="tx1"/>
+              </a:solidFill>
+              <a:effectLst/>
+              <a:uLnTx/>
+              <a:uFillTx/>
+              <a:latin typeface="Comic Sans MS" pitchFamily="66" charset="0"/>
+              <a:ea typeface="+mn-ea"/>
+              <a:cs typeface="+mn-cs"/>
+            </a:endParaRPr>
+          </a:p>
+        </p:txBody>
+      </p:sp>
     </p:spTree>
     <p:extLst>
       <p:ext uri="{BB962C8B-B14F-4D97-AF65-F5344CB8AC3E}">
@@ -6229,7 +6380,7 @@
   <p:clrMapOvr>
     <a:masterClrMapping/>
   </p:clrMapOvr>
-  <p:transition xmlns:p14="http://schemas.microsoft.com/office/powerpoint/2010/main" spd="slow">
+  <p:transition xmlns:p14="http://schemas.microsoft.com/office/powerpoint/2010/main" spd="slow" advClick="0">
     <p:fade/>
   </p:transition>
   <p:timing>
@@ -6631,7 +6782,7 @@
   <p:clrMapOvr>
     <a:masterClrMapping/>
   </p:clrMapOvr>
-  <p:transition xmlns:p14="http://schemas.microsoft.com/office/powerpoint/2010/main" spd="slow">
+  <p:transition xmlns:p14="http://schemas.microsoft.com/office/powerpoint/2010/main" spd="slow" advClick="0">
     <p:fade thruBlk="1"/>
   </p:transition>
   <p:timing>
@@ -6695,15 +6846,7 @@
             </a:r>
             <a:r>
               <a:rPr lang="en-US" sz="4800" dirty="0" smtClean="0"/>
-              <a:t>map </a:t>
-            </a:r>
-            <a:r>
-              <a:rPr lang="en-US" sz="4800" dirty="0" smtClean="0"/>
-              <a:t>element</a:t>
-            </a:r>
-            <a:r>
-              <a:rPr lang="en-US" sz="4800" dirty="0" smtClean="0"/>
-              <a:t>,</a:t>
+              <a:t>map element,</a:t>
             </a:r>
             <a:r>
               <a:rPr lang="en-US" sz="4800" dirty="0" smtClean="0">
@@ -6715,25 +6858,13 @@
             </a:r>
             <a:r>
               <a:rPr lang="en-US" sz="4800" dirty="0" smtClean="0"/>
-              <a:t>, </a:t>
-            </a:r>
-            <a:r>
-              <a:rPr lang="en-US" sz="4800" dirty="0" smtClean="0"/>
-              <a:t>to </a:t>
+              <a:t>, to </a:t>
             </a:r>
           </a:p>
           <a:p>
             <a:r>
               <a:rPr lang="en-US" sz="4800" dirty="0" smtClean="0"/>
-              <a:t>the </a:t>
-            </a:r>
-            <a:r>
-              <a:rPr lang="en-US" sz="4800" dirty="0" smtClean="0"/>
-              <a:t>set of elements below </a:t>
-            </a:r>
-            <a:r>
-              <a:rPr lang="en-US" sz="4800" dirty="0" smtClean="0"/>
-              <a:t>it.</a:t>
+              <a:t>the set of elements below it.</a:t>
             </a:r>
           </a:p>
           <a:p>
@@ -6749,7 +6880,6 @@
               <a:rPr lang="en-US" sz="4800" dirty="0" smtClean="0"/>
               <a:t> maps to</a:t>
             </a:r>
-            <a:endParaRPr lang="en-US" sz="4800" dirty="0" smtClean="0"/>
           </a:p>
           <a:p>
             <a:endParaRPr lang="en-US" dirty="0" smtClean="0"/>
@@ -6833,7 +6963,7 @@
           <a:graphicData uri="http://schemas.openxmlformats.org/presentationml/2006/ole">
             <mc:AlternateContent xmlns:mc="http://schemas.openxmlformats.org/markup-compatibility/2006">
               <mc:Choice xmlns:v="urn:schemas-microsoft-com:vml" Requires="v">
-                <p:oleObj spid="_x0000_s120900" name="Equation" r:id="rId4" imgW="1651000" imgH="330200" progId="Equation.DSMT4">
+                <p:oleObj spid="_x0000_s120904" name="Equation" r:id="rId4" imgW="1651000" imgH="330200" progId="Equation.DSMT4">
                   <p:embed/>
                 </p:oleObj>
               </mc:Choice>
@@ -6875,12 +7005,12 @@
   </p:clrMapOvr>
   <mc:AlternateContent xmlns:mc="http://schemas.openxmlformats.org/markup-compatibility/2006">
     <mc:Choice xmlns:p14="http://schemas.microsoft.com/office/powerpoint/2010/main" Requires="p14">
-      <p:transition spd="slow" p14:dur="1200">
+      <p:transition spd="slow" p14:dur="1200" advClick="0">
         <p:fade/>
       </p:transition>
     </mc:Choice>
     <mc:Fallback>
-      <p:transition xmlns:p14="http://schemas.microsoft.com/office/powerpoint/2010/main" spd="slow">
+      <p:transition xmlns:p14="http://schemas.microsoft.com/office/powerpoint/2010/main" spd="slow" advClick="0">
         <p:fade/>
       </p:transition>
     </mc:Fallback>
@@ -6946,15 +7076,7 @@
             </a:r>
             <a:r>
               <a:rPr lang="en-US" sz="4800" dirty="0" smtClean="0"/>
-              <a:t>map </a:t>
-            </a:r>
-            <a:r>
-              <a:rPr lang="en-US" sz="4800" dirty="0" smtClean="0"/>
-              <a:t>element</a:t>
-            </a:r>
-            <a:r>
-              <a:rPr lang="en-US" sz="4800" dirty="0" smtClean="0"/>
-              <a:t>,</a:t>
+              <a:t>map element,</a:t>
             </a:r>
             <a:r>
               <a:rPr lang="en-US" sz="4800" dirty="0" smtClean="0">
@@ -6966,25 +7088,13 @@
             </a:r>
             <a:r>
               <a:rPr lang="en-US" sz="4800" dirty="0" smtClean="0"/>
-              <a:t>, </a:t>
-            </a:r>
-            <a:r>
-              <a:rPr lang="en-US" sz="4800" dirty="0" smtClean="0"/>
-              <a:t>to </a:t>
+              <a:t>, to </a:t>
             </a:r>
           </a:p>
           <a:p>
             <a:r>
               <a:rPr lang="en-US" sz="4800" dirty="0" smtClean="0"/>
-              <a:t>the </a:t>
-            </a:r>
-            <a:r>
-              <a:rPr lang="en-US" sz="4800" dirty="0" smtClean="0"/>
-              <a:t>set of elements below </a:t>
-            </a:r>
-            <a:r>
-              <a:rPr lang="en-US" sz="4800" dirty="0" smtClean="0"/>
-              <a:t>it.</a:t>
+              <a:t>the set of elements below it.</a:t>
             </a:r>
           </a:p>
           <a:p>
@@ -7000,7 +7110,6 @@
               <a:rPr lang="en-US" sz="4800" dirty="0" smtClean="0"/>
               <a:t> maps to</a:t>
             </a:r>
-            <a:endParaRPr lang="en-US" sz="4800" dirty="0" smtClean="0"/>
           </a:p>
           <a:p>
             <a:endParaRPr lang="en-US" dirty="0" smtClean="0"/>
@@ -7084,7 +7193,7 @@
           <a:graphicData uri="http://schemas.openxmlformats.org/presentationml/2006/ole">
             <mc:AlternateContent xmlns:mc="http://schemas.openxmlformats.org/markup-compatibility/2006">
               <mc:Choice xmlns:v="urn:schemas-microsoft-com:vml" Requires="v">
-                <p:oleObj spid="_x0000_s125960" name="Equation" r:id="rId4" imgW="1651000" imgH="330200" progId="Equation.DSMT4">
+                <p:oleObj spid="_x0000_s125967" name="Equation" r:id="rId4" imgW="1651000" imgH="330200" progId="Equation.DSMT4">
                   <p:embed/>
                 </p:oleObj>
               </mc:Choice>
@@ -7141,7 +7250,7 @@
           <a:graphicData uri="http://schemas.openxmlformats.org/presentationml/2006/ole">
             <mc:AlternateContent xmlns:mc="http://schemas.openxmlformats.org/markup-compatibility/2006">
               <mc:Choice xmlns:v="urn:schemas-microsoft-com:vml" Requires="v">
-                <p:oleObj spid="_x0000_s125961" name="Equation" r:id="rId6" imgW="1409700" imgH="330200" progId="Equation.DSMT4">
+                <p:oleObj spid="_x0000_s125968" name="Equation" r:id="rId6" imgW="1409700" imgH="330200" progId="Equation.DSMT4">
                   <p:embed/>
                 </p:oleObj>
               </mc:Choice>
@@ -7186,9 +7295,18 @@
   <p:clrMapOvr>
     <a:masterClrMapping/>
   </p:clrMapOvr>
-  <p:transition xmlns:p14="http://schemas.microsoft.com/office/powerpoint/2010/main" spd="slow">
-    <p:fade thruBlk="1"/>
-  </p:transition>
+  <mc:AlternateContent xmlns:mc="http://schemas.openxmlformats.org/markup-compatibility/2006">
+    <mc:Choice xmlns:p14="http://schemas.microsoft.com/office/powerpoint/2010/main" Requires="p14">
+      <p:transition spd="med" p14:dur="600" advClick="0">
+        <p:fade/>
+      </p:transition>
+    </mc:Choice>
+    <mc:Fallback>
+      <p:transition xmlns:p14="http://schemas.microsoft.com/office/powerpoint/2010/main" spd="med" advClick="0">
+        <p:fade/>
+      </p:transition>
+    </mc:Fallback>
+  </mc:AlternateContent>
   <p:timing>
     <p:tnLst>
       <p:par>
@@ -8600,9 +8718,18 @@
   <p:clrMapOvr>
     <a:masterClrMapping/>
   </p:clrMapOvr>
-  <p:transition xmlns:p14="http://schemas.microsoft.com/office/powerpoint/2010/main" spd="slow">
-    <p:fade thruBlk="1"/>
-  </p:transition>
+  <mc:AlternateContent xmlns:mc="http://schemas.openxmlformats.org/markup-compatibility/2006">
+    <mc:Choice xmlns:p14="http://schemas.microsoft.com/office/powerpoint/2010/main" Requires="p14">
+      <p:transition spd="slow" p14:dur="800" advClick="0">
+        <p:fade/>
+      </p:transition>
+    </mc:Choice>
+    <mc:Fallback>
+      <p:transition xmlns:p14="http://schemas.microsoft.com/office/powerpoint/2010/main" spd="slow" advClick="0">
+        <p:fade/>
+      </p:transition>
+    </mc:Fallback>
+  </mc:AlternateContent>
   <p:timing>
     <p:tnLst>
       <p:par>
@@ -9164,7 +9291,7 @@
           <a:graphicData uri="http://schemas.openxmlformats.org/presentationml/2006/ole">
             <mc:AlternateContent xmlns:mc="http://schemas.openxmlformats.org/markup-compatibility/2006">
               <mc:Choice xmlns:v="urn:schemas-microsoft-com:vml" Requires="v">
-                <p:oleObj spid="_x0000_s121885" name="Equation" r:id="rId4" imgW="419100" imgH="177800" progId="Equation.DSMT4">
+                <p:oleObj spid="_x0000_s121889" name="Equation" r:id="rId4" imgW="419100" imgH="177800" progId="Equation.DSMT4">
                   <p:embed/>
                 </p:oleObj>
               </mc:Choice>
@@ -9290,7 +9417,7 @@
   <p:clrMapOvr>
     <a:masterClrMapping/>
   </p:clrMapOvr>
-  <p:transition xmlns:p14="http://schemas.microsoft.com/office/powerpoint/2010/main">
+  <p:transition xmlns:p14="http://schemas.microsoft.com/office/powerpoint/2010/main" advClick="0">
     <p:fade/>
   </p:transition>
   <p:timing>
@@ -10674,7 +10801,7 @@
   <p:clrMapOvr>
     <a:masterClrMapping/>
   </p:clrMapOvr>
-  <p:transition xmlns:p14="http://schemas.microsoft.com/office/powerpoint/2010/main">
+  <p:transition xmlns:p14="http://schemas.microsoft.com/office/powerpoint/2010/main" advClick="0">
     <p:fade thruBlk="1"/>
   </p:transition>
   <p:timing>
@@ -11797,7 +11924,7 @@
   <p:clrMapOvr>
     <a:masterClrMapping/>
   </p:clrMapOvr>
-  <p:transition xmlns:p14="http://schemas.microsoft.com/office/powerpoint/2010/main" spd="slow">
+  <p:transition xmlns:p14="http://schemas.microsoft.com/office/powerpoint/2010/main" spd="slow" advClick="0">
     <p:fade thruBlk="1"/>
   </p:transition>
   <p:timing>
@@ -12031,11 +12158,7 @@
             </a:r>
             <a:r>
               <a:rPr lang="en-US" sz="7200" dirty="0" smtClean="0"/>
-              <a:t> </a:t>
-            </a:r>
-            <a:r>
-              <a:rPr lang="en-US" sz="7200" dirty="0" smtClean="0"/>
-              <a:t>example</a:t>
+              <a:t> example</a:t>
             </a:r>
             <a:endParaRPr lang="en-US" sz="9600" dirty="0">
               <a:solidFill>
@@ -12052,12 +12175,12 @@
   </p:clrMapOvr>
   <mc:AlternateContent xmlns:mc="http://schemas.openxmlformats.org/markup-compatibility/2006">
     <mc:Choice xmlns:p14="http://schemas.microsoft.com/office/powerpoint/2010/main" Requires="p14">
-      <p:transition spd="med" p14:dur="700">
+      <p:transition spd="med" p14:dur="700" advClick="0">
         <p:fade/>
       </p:transition>
     </mc:Choice>
     <mc:Fallback>
-      <p:transition xmlns:p14="http://schemas.microsoft.com/office/powerpoint/2010/main" spd="med">
+      <p:transition xmlns:p14="http://schemas.microsoft.com/office/powerpoint/2010/main" spd="med" advClick="0">
         <p:fade/>
       </p:transition>
     </mc:Fallback>
@@ -13150,7 +13273,7 @@
   <p:clrMapOvr>
     <a:masterClrMapping/>
   </p:clrMapOvr>
-  <p:transition xmlns:p14="http://schemas.microsoft.com/office/powerpoint/2010/main">
+  <p:transition xmlns:p14="http://schemas.microsoft.com/office/powerpoint/2010/main" advClick="0">
     <p:fade/>
   </p:transition>
   <p:timing>
@@ -14197,7 +14320,7 @@
   <p:clrMapOvr>
     <a:masterClrMapping/>
   </p:clrMapOvr>
-  <p:transition xmlns:p14="http://schemas.microsoft.com/office/powerpoint/2010/main">
+  <p:transition xmlns:p14="http://schemas.microsoft.com/office/powerpoint/2010/main" advClick="0">
     <p:fade/>
   </p:transition>
   <p:timing>
@@ -14308,11 +14431,7 @@
             </a:r>
             <a:r>
               <a:rPr lang="en-US" sz="7200" dirty="0" smtClean="0"/>
-              <a:t> </a:t>
-            </a:r>
-            <a:r>
-              <a:rPr lang="en-US" sz="7200" dirty="0" smtClean="0"/>
-              <a:t>example</a:t>
+              <a:t> example</a:t>
             </a:r>
           </a:p>
           <a:p>
@@ -14343,7 +14462,7 @@
   <p:clrMapOvr>
     <a:masterClrMapping/>
   </p:clrMapOvr>
-  <p:transition xmlns:p14="http://schemas.microsoft.com/office/powerpoint/2010/main" spd="slow">
+  <p:transition xmlns:p14="http://schemas.microsoft.com/office/powerpoint/2010/main" spd="slow" advClick="0">
     <p:fade/>
   </p:transition>
   <p:timing>
@@ -14373,58 +14492,6 @@
           <a:chExt cx="0" cy="0"/>
         </a:xfrm>
       </p:grpSpPr>
-      <p:sp>
-        <p:nvSpPr>
-          <p:cNvPr id="4" name="Slide Number Placeholder 2"/>
-          <p:cNvSpPr>
-            <a:spLocks noGrp="1"/>
-          </p:cNvSpPr>
-          <p:nvPr>
-            <p:ph type="sldNum" sz="quarter" idx="10"/>
-          </p:nvPr>
-        </p:nvSpPr>
-        <p:spPr/>
-        <p:txBody>
-          <a:bodyPr/>
-          <a:lstStyle/>
-          <a:p>
-            <a:r>
-              <a:rPr lang="en-US" dirty="0" err="1">
-                <a:solidFill>
-                  <a:srgbClr val="000000"/>
-                </a:solidFill>
-                <a:latin typeface="Comic Sans MS"/>
-              </a:rPr>
-              <a:t>lec</a:t>
-            </a:r>
-            <a:r>
-              <a:rPr lang="en-US" dirty="0" smtClean="0">
-                <a:solidFill>
-                  <a:srgbClr val="000000"/>
-                </a:solidFill>
-                <a:latin typeface="Comic Sans MS"/>
-              </a:rPr>
-              <a:t> 7M.</a:t>
-            </a:r>
-            <a:fld id="{68A93573-C3A1-4216-A253-FAD638233C5A}" type="slidenum">
-              <a:rPr lang="en-US" smtClean="0">
-                <a:solidFill>
-                  <a:srgbClr val="000000"/>
-                </a:solidFill>
-                <a:latin typeface="Comic Sans MS"/>
-              </a:rPr>
-              <a:pPr/>
-              <a:t>9</a:t>
-            </a:fld>
-            <a:endParaRPr lang="en-US" dirty="0">
-              <a:solidFill>
-                <a:srgbClr val="000000"/>
-              </a:solidFill>
-              <a:latin typeface="Comic Sans MS"/>
-            </a:endParaRPr>
-          </a:p>
-        </p:txBody>
-      </p:sp>
       <p:sp>
         <p:nvSpPr>
           <p:cNvPr id="661551" name="Text Box 47"/>
@@ -14637,6 +14704,152 @@
           </a:p>
         </p:txBody>
       </p:sp>
+      <p:sp>
+        <p:nvSpPr>
+          <p:cNvPr id="5" name="Slide Number Placeholder 5"/>
+          <p:cNvSpPr txBox="1">
+            <a:spLocks/>
+          </p:cNvSpPr>
+          <p:nvPr/>
+        </p:nvSpPr>
+        <p:spPr>
+          <a:xfrm>
+            <a:off x="8077200" y="6553200"/>
+            <a:ext cx="1066800" cy="304800"/>
+          </a:xfrm>
+          <a:prstGeom prst="rect">
+            <a:avLst/>
+          </a:prstGeom>
+        </p:spPr>
+        <p:txBody>
+          <a:bodyPr/>
+          <a:lstStyle>
+            <a:lvl1pPr>
+              <a:defRPr sz="1200">
+                <a:latin typeface="Comic Sans MS" pitchFamily="66" charset="0"/>
+              </a:defRPr>
+            </a:lvl1pPr>
+          </a:lstStyle>
+          <a:p>
+            <a:pPr marL="0" marR="0" lvl="0" indent="0" algn="l" defTabSz="914400" rtl="0" eaLnBrk="1" fontAlgn="auto" latinLnBrk="0" hangingPunct="1">
+              <a:lnSpc>
+                <a:spcPct val="100000"/>
+              </a:lnSpc>
+              <a:spcBef>
+                <a:spcPts val="0"/>
+              </a:spcBef>
+              <a:spcAft>
+                <a:spcPts val="0"/>
+              </a:spcAft>
+              <a:buClrTx/>
+              <a:buSzTx/>
+              <a:buFontTx/>
+              <a:buNone/>
+              <a:tabLst/>
+              <a:defRPr/>
+            </a:pPr>
+            <a:r>
+              <a:rPr kumimoji="0" lang="en-US" sz="1200" b="0" i="0" u="none" strike="noStrike" kern="1200" cap="none" spc="0" normalizeH="0" baseline="0" noProof="0" dirty="0" smtClean="0">
+                <a:ln>
+                  <a:noFill/>
+                </a:ln>
+                <a:solidFill>
+                  <a:schemeClr val="tx1"/>
+                </a:solidFill>
+                <a:effectLst/>
+                <a:uLnTx/>
+                <a:uFillTx/>
+                <a:latin typeface="Comic Sans MS" pitchFamily="66" charset="0"/>
+                <a:ea typeface="+mn-ea"/>
+                <a:cs typeface="+mn-cs"/>
+              </a:rPr>
+              <a:t>rep-</a:t>
+            </a:r>
+            <a:r>
+              <a:rPr kumimoji="0" lang="en-US" sz="1200" b="0" i="0" u="none" strike="noStrike" kern="1200" cap="none" spc="0" normalizeH="0" baseline="0" noProof="0" dirty="0" err="1" smtClean="0">
+                <a:ln>
+                  <a:noFill/>
+                </a:ln>
+                <a:solidFill>
+                  <a:schemeClr val="tx1"/>
+                </a:solidFill>
+                <a:effectLst/>
+                <a:uLnTx/>
+                <a:uFillTx/>
+                <a:latin typeface="Comic Sans MS" pitchFamily="66" charset="0"/>
+                <a:ea typeface="+mn-ea"/>
+                <a:cs typeface="+mn-cs"/>
+              </a:rPr>
+              <a:t>po</a:t>
+            </a:r>
+            <a:r>
+              <a:rPr kumimoji="0" lang="en-US" sz="1200" b="0" i="0" u="none" strike="noStrike" kern="1200" cap="none" spc="0" normalizeH="0" baseline="0" noProof="0" dirty="0" smtClean="0">
+                <a:ln>
+                  <a:noFill/>
+                </a:ln>
+                <a:solidFill>
+                  <a:schemeClr val="tx1"/>
+                </a:solidFill>
+                <a:effectLst/>
+                <a:uLnTx/>
+                <a:uFillTx/>
+                <a:latin typeface="Comic Sans MS" pitchFamily="66" charset="0"/>
+                <a:ea typeface="+mn-ea"/>
+                <a:cs typeface="+mn-cs"/>
+              </a:rPr>
+              <a:t>.</a:t>
+            </a:r>
+            <a:fld id="{CA4C0C47-BA92-4669-BC5C-D64A96AF3D01}" type="slidenum">
+              <a:rPr kumimoji="0" lang="en-US" sz="1200" b="0" i="0" u="none" strike="noStrike" kern="1200" cap="none" spc="0" normalizeH="0" baseline="0" noProof="0" smtClean="0">
+                <a:ln>
+                  <a:noFill/>
+                </a:ln>
+                <a:solidFill>
+                  <a:schemeClr val="tx1"/>
+                </a:solidFill>
+                <a:effectLst/>
+                <a:uLnTx/>
+                <a:uFillTx/>
+                <a:latin typeface="Comic Sans MS" pitchFamily="66" charset="0"/>
+                <a:ea typeface="+mn-ea"/>
+                <a:cs typeface="+mn-cs"/>
+              </a:rPr>
+              <a:pPr marL="0" marR="0" lvl="0" indent="0" algn="l" defTabSz="914400" rtl="0" eaLnBrk="1" fontAlgn="auto" latinLnBrk="0" hangingPunct="1">
+                <a:lnSpc>
+                  <a:spcPct val="100000"/>
+                </a:lnSpc>
+                <a:spcBef>
+                  <a:spcPts val="0"/>
+                </a:spcBef>
+                <a:spcAft>
+                  <a:spcPts val="0"/>
+                </a:spcAft>
+                <a:buClrTx/>
+                <a:buSzTx/>
+                <a:buFontTx/>
+                <a:buNone/>
+                <a:tabLst/>
+                <a:defRPr/>
+              </a:pPr>
+              <a:t>9</a:t>
+            </a:fld>
+            <a:endParaRPr kumimoji="0" lang="en-US" sz="1200" b="0" i="0" u="none" strike="noStrike" kern="1200" cap="none" spc="0" normalizeH="0" baseline="0" noProof="0" dirty="0">
+              <a:ln>
+                <a:noFill/>
+              </a:ln>
+              <a:solidFill>
+                <a:schemeClr val="tx1"/>
+              </a:solidFill>
+              <a:effectLst/>
+              <a:uLnTx/>
+              <a:uFillTx/>
+              <a:latin typeface="Comic Sans MS" pitchFamily="66" charset="0"/>
+              <a:ea typeface="+mn-ea"/>
+              <a:cs typeface="+mn-cs"/>
+            </a:endParaRPr>
+          </a:p>
+        </p:txBody>
+      </p:sp>
     </p:spTree>
     <p:extLst>
       <p:ext uri="{BB962C8B-B14F-4D97-AF65-F5344CB8AC3E}">
@@ -14647,7 +14860,7 @@
   <p:clrMapOvr>
     <a:masterClrMapping/>
   </p:clrMapOvr>
-  <p:transition xmlns:p14="http://schemas.microsoft.com/office/powerpoint/2010/main" spd="slow">
+  <p:transition xmlns:p14="http://schemas.microsoft.com/office/powerpoint/2010/main" spd="slow" advClick="0">
     <p:fade thruBlk="1"/>
   </p:transition>
   <p:timing>
